--- a/Aplikasi Chatting Server.pptx
+++ b/Aplikasi Chatting Server.pptx
@@ -107,6 +107,11 @@
       </a:defRPr>
     </a:lvl9pPr>
   </p:defaultTextStyle>
+  <p:extLst>
+    <p:ext uri="{EFAFB233-063F-42B5-8137-9DF3F51BA10A}">
+      <p15:sldGuideLst xmlns:p15="http://schemas.microsoft.com/office/powerpoint/2012/main"/>
+    </p:ext>
+  </p:extLst>
 </p:presentation>
 </file>
 
@@ -296,7 +301,7 @@
           <a:p>
             <a:fld id="{C7D33798-F71D-42FE-AA47-97E74882DDA9}" type="datetimeFigureOut">
               <a:rPr lang="en-US" smtClean="0"/>
-              <a:t>3/10/2015</a:t>
+              <a:t>3/11/2015</a:t>
             </a:fld>
             <a:endParaRPr lang="en-US"/>
           </a:p>
@@ -571,7 +576,7 @@
           <a:p>
             <a:fld id="{C7D33798-F71D-42FE-AA47-97E74882DDA9}" type="datetimeFigureOut">
               <a:rPr lang="en-US" smtClean="0"/>
-              <a:t>3/10/2015</a:t>
+              <a:t>3/11/2015</a:t>
             </a:fld>
             <a:endParaRPr lang="en-US"/>
           </a:p>
@@ -765,7 +770,7 @@
           <a:p>
             <a:fld id="{C7D33798-F71D-42FE-AA47-97E74882DDA9}" type="datetimeFigureOut">
               <a:rPr lang="en-US" smtClean="0"/>
-              <a:t>3/10/2015</a:t>
+              <a:t>3/11/2015</a:t>
             </a:fld>
             <a:endParaRPr lang="en-US"/>
           </a:p>
@@ -1038,7 +1043,7 @@
           <a:p>
             <a:fld id="{C7D33798-F71D-42FE-AA47-97E74882DDA9}" type="datetimeFigureOut">
               <a:rPr lang="en-US" smtClean="0"/>
-              <a:t>3/10/2015</a:t>
+              <a:t>3/11/2015</a:t>
             </a:fld>
             <a:endParaRPr lang="en-US"/>
           </a:p>
@@ -1379,7 +1384,7 @@
           <a:p>
             <a:fld id="{C7D33798-F71D-42FE-AA47-97E74882DDA9}" type="datetimeFigureOut">
               <a:rPr lang="en-US" smtClean="0"/>
-              <a:t>3/10/2015</a:t>
+              <a:t>3/11/2015</a:t>
             </a:fld>
             <a:endParaRPr lang="en-US"/>
           </a:p>
@@ -2002,7 +2007,7 @@
           <a:p>
             <a:fld id="{C7D33798-F71D-42FE-AA47-97E74882DDA9}" type="datetimeFigureOut">
               <a:rPr lang="en-US" smtClean="0"/>
-              <a:t>3/10/2015</a:t>
+              <a:t>3/11/2015</a:t>
             </a:fld>
             <a:endParaRPr lang="en-US"/>
           </a:p>
@@ -2862,7 +2867,7 @@
           <a:p>
             <a:fld id="{C7D33798-F71D-42FE-AA47-97E74882DDA9}" type="datetimeFigureOut">
               <a:rPr lang="en-US" smtClean="0"/>
-              <a:t>3/10/2015</a:t>
+              <a:t>3/11/2015</a:t>
             </a:fld>
             <a:endParaRPr lang="en-US"/>
           </a:p>
@@ -3032,7 +3037,7 @@
           <a:p>
             <a:fld id="{C7D33798-F71D-42FE-AA47-97E74882DDA9}" type="datetimeFigureOut">
               <a:rPr lang="en-US" smtClean="0"/>
-              <a:t>3/10/2015</a:t>
+              <a:t>3/11/2015</a:t>
             </a:fld>
             <a:endParaRPr lang="en-US"/>
           </a:p>
@@ -3212,7 +3217,7 @@
           <a:p>
             <a:fld id="{C7D33798-F71D-42FE-AA47-97E74882DDA9}" type="datetimeFigureOut">
               <a:rPr lang="en-US" smtClean="0"/>
-              <a:t>3/10/2015</a:t>
+              <a:t>3/11/2015</a:t>
             </a:fld>
             <a:endParaRPr lang="en-US"/>
           </a:p>
@@ -3382,7 +3387,7 @@
           <a:p>
             <a:fld id="{C7D33798-F71D-42FE-AA47-97E74882DDA9}" type="datetimeFigureOut">
               <a:rPr lang="en-US" smtClean="0"/>
-              <a:t>3/10/2015</a:t>
+              <a:t>3/11/2015</a:t>
             </a:fld>
             <a:endParaRPr lang="en-US"/>
           </a:p>
@@ -3629,7 +3634,7 @@
           <a:p>
             <a:fld id="{C7D33798-F71D-42FE-AA47-97E74882DDA9}" type="datetimeFigureOut">
               <a:rPr lang="en-US" smtClean="0"/>
-              <a:t>3/10/2015</a:t>
+              <a:t>3/11/2015</a:t>
             </a:fld>
             <a:endParaRPr lang="en-US"/>
           </a:p>
@@ -3921,7 +3926,7 @@
           <a:p>
             <a:fld id="{C7D33798-F71D-42FE-AA47-97E74882DDA9}" type="datetimeFigureOut">
               <a:rPr lang="en-US" smtClean="0"/>
-              <a:t>3/10/2015</a:t>
+              <a:t>3/11/2015</a:t>
             </a:fld>
             <a:endParaRPr lang="en-US"/>
           </a:p>
@@ -4365,7 +4370,7 @@
           <a:p>
             <a:fld id="{C7D33798-F71D-42FE-AA47-97E74882DDA9}" type="datetimeFigureOut">
               <a:rPr lang="en-US" smtClean="0"/>
-              <a:t>3/10/2015</a:t>
+              <a:t>3/11/2015</a:t>
             </a:fld>
             <a:endParaRPr lang="en-US"/>
           </a:p>
@@ -4483,7 +4488,7 @@
           <a:p>
             <a:fld id="{C7D33798-F71D-42FE-AA47-97E74882DDA9}" type="datetimeFigureOut">
               <a:rPr lang="en-US" smtClean="0"/>
-              <a:t>3/10/2015</a:t>
+              <a:t>3/11/2015</a:t>
             </a:fld>
             <a:endParaRPr lang="en-US"/>
           </a:p>
@@ -4578,7 +4583,7 @@
           <a:p>
             <a:fld id="{C7D33798-F71D-42FE-AA47-97E74882DDA9}" type="datetimeFigureOut">
               <a:rPr lang="en-US" smtClean="0"/>
-              <a:t>3/10/2015</a:t>
+              <a:t>3/11/2015</a:t>
             </a:fld>
             <a:endParaRPr lang="en-US"/>
           </a:p>
@@ -4857,7 +4862,7 @@
           <a:p>
             <a:fld id="{C7D33798-F71D-42FE-AA47-97E74882DDA9}" type="datetimeFigureOut">
               <a:rPr lang="en-US" smtClean="0"/>
-              <a:t>3/10/2015</a:t>
+              <a:t>3/11/2015</a:t>
             </a:fld>
             <a:endParaRPr lang="en-US"/>
           </a:p>
@@ -5132,7 +5137,7 @@
           <a:p>
             <a:fld id="{C7D33798-F71D-42FE-AA47-97E74882DDA9}" type="datetimeFigureOut">
               <a:rPr lang="en-US" smtClean="0"/>
-              <a:t>3/10/2015</a:t>
+              <a:t>3/11/2015</a:t>
             </a:fld>
             <a:endParaRPr lang="en-US"/>
           </a:p>
@@ -5561,7 +5566,7 @@
           <a:p>
             <a:fld id="{C7D33798-F71D-42FE-AA47-97E74882DDA9}" type="datetimeFigureOut">
               <a:rPr lang="en-US" smtClean="0"/>
-              <a:t>3/10/2015</a:t>
+              <a:t>3/11/2015</a:t>
             </a:fld>
             <a:endParaRPr lang="en-US"/>
           </a:p>
@@ -6148,7 +6153,11 @@
             </a:pPr>
             <a:r>
               <a:rPr lang="en-US" dirty="0" smtClean="0"/>
-              <a:t>5112100001	M </a:t>
+              <a:t>5112100001	</a:t>
+            </a:r>
+            <a:r>
+              <a:rPr lang="en-US" dirty="0" smtClean="0"/>
+              <a:t>Muhammad </a:t>
             </a:r>
             <a:r>
               <a:rPr lang="en-US" dirty="0" err="1" smtClean="0"/>
@@ -6275,361 +6284,368 @@
         </p:nvSpPr>
         <p:spPr>
           <a:xfrm>
-            <a:off x="795337" y="1312368"/>
-            <a:ext cx="10515600" cy="4731246"/>
+            <a:off x="795337" y="1643270"/>
+            <a:ext cx="10515600" cy="4400344"/>
           </a:xfrm>
         </p:spPr>
         <p:txBody>
           <a:bodyPr>
-            <a:normAutofit/>
+            <a:normAutofit fontScale="92500" lnSpcReduction="10000"/>
           </a:bodyPr>
           <a:lstStyle/>
           <a:p>
-            <a:pPr marL="0" indent="0" algn="just">
-              <a:buNone/>
-            </a:pPr>
-            <a:r>
-              <a:rPr lang="en-US" sz="2800" dirty="0" err="1" smtClean="0"/>
+            <a:r>
+              <a:rPr lang="en-US" sz="2400" dirty="0" err="1" smtClean="0"/>
               <a:t>Algoritma</a:t>
             </a:r>
             <a:r>
-              <a:rPr lang="en-US" sz="2800" dirty="0" smtClean="0"/>
+              <a:rPr lang="en-US" sz="2400" dirty="0" smtClean="0"/>
               <a:t> yang </a:t>
             </a:r>
             <a:r>
-              <a:rPr lang="en-US" sz="2800" dirty="0" err="1" smtClean="0"/>
+              <a:rPr lang="en-US" sz="2400" dirty="0" err="1" smtClean="0"/>
               <a:t>digunakan</a:t>
             </a:r>
             <a:r>
-              <a:rPr lang="en-US" sz="2800" dirty="0" smtClean="0"/>
-              <a:t> </a:t>
-            </a:r>
-            <a:r>
-              <a:rPr lang="en-US" sz="2800" dirty="0" err="1" smtClean="0"/>
+              <a:rPr lang="en-US" sz="2400" dirty="0" smtClean="0"/>
+              <a:t> </a:t>
+            </a:r>
+            <a:r>
+              <a:rPr lang="en-US" sz="2400" dirty="0" err="1" smtClean="0"/>
               <a:t>adalah</a:t>
             </a:r>
             <a:r>
-              <a:rPr lang="en-US" sz="2800" dirty="0" smtClean="0"/>
+              <a:rPr lang="en-US" sz="2400" dirty="0" smtClean="0"/>
               <a:t> Stream </a:t>
             </a:r>
             <a:r>
-              <a:rPr lang="en-US" sz="2800" dirty="0" err="1" smtClean="0"/>
+              <a:rPr lang="en-US" sz="2400" dirty="0" err="1" smtClean="0"/>
               <a:t>Chiper</a:t>
             </a:r>
             <a:r>
-              <a:rPr lang="en-US" sz="2800" dirty="0" smtClean="0"/>
+              <a:rPr lang="en-US" sz="2400" dirty="0" smtClean="0"/>
               <a:t> RC4. </a:t>
             </a:r>
-            <a:r>
-              <a:rPr lang="en-US" sz="2800" dirty="0" err="1" smtClean="0"/>
+            <a:endParaRPr lang="en-US" sz="2400" dirty="0" smtClean="0"/>
+          </a:p>
+          <a:p>
+            <a:endParaRPr lang="en-US" sz="2400" dirty="0" smtClean="0"/>
+          </a:p>
+          <a:p>
+            <a:r>
+              <a:rPr lang="en-US" sz="2400" dirty="0" err="1" smtClean="0"/>
               <a:t>Algoritma</a:t>
             </a:r>
             <a:r>
-              <a:rPr lang="en-US" sz="2800" dirty="0" smtClean="0"/>
-              <a:t> </a:t>
-            </a:r>
-            <a:r>
-              <a:rPr lang="en-US" sz="2800" dirty="0" err="1" smtClean="0"/>
+              <a:rPr lang="en-US" sz="2400" dirty="0" smtClean="0"/>
+              <a:t> </a:t>
+            </a:r>
+            <a:r>
+              <a:rPr lang="en-US" sz="2400" dirty="0" err="1" smtClean="0"/>
               <a:t>ini</a:t>
             </a:r>
             <a:r>
-              <a:rPr lang="en-US" sz="2800" dirty="0" smtClean="0"/>
-              <a:t> </a:t>
-            </a:r>
-            <a:r>
-              <a:rPr lang="en-US" sz="2800" dirty="0" err="1" smtClean="0"/>
+              <a:rPr lang="en-US" sz="2400" dirty="0" smtClean="0"/>
+              <a:t> </a:t>
+            </a:r>
+            <a:r>
+              <a:rPr lang="en-US" sz="2400" dirty="0" err="1" smtClean="0"/>
               <a:t>dipilih</a:t>
             </a:r>
             <a:r>
-              <a:rPr lang="en-US" sz="2800" dirty="0" smtClean="0"/>
-              <a:t> </a:t>
-            </a:r>
-            <a:r>
-              <a:rPr lang="en-US" sz="2800" dirty="0" err="1" smtClean="0"/>
+              <a:rPr lang="en-US" sz="2400" dirty="0" smtClean="0"/>
+              <a:t> </a:t>
+            </a:r>
+            <a:r>
+              <a:rPr lang="en-US" sz="2400" dirty="0" err="1" smtClean="0"/>
               <a:t>karena</a:t>
             </a:r>
             <a:r>
-              <a:rPr lang="en-US" sz="2800" dirty="0" smtClean="0"/>
-              <a:t> </a:t>
-            </a:r>
-            <a:r>
-              <a:rPr lang="en-US" sz="2800" dirty="0" err="1" smtClean="0"/>
+              <a:rPr lang="en-US" sz="2400" dirty="0" smtClean="0"/>
+              <a:t> </a:t>
+            </a:r>
+            <a:r>
+              <a:rPr lang="en-US" sz="2400" dirty="0" err="1" smtClean="0"/>
               <a:t>kecepatannya</a:t>
             </a:r>
             <a:r>
-              <a:rPr lang="en-US" sz="2800" dirty="0" smtClean="0"/>
-              <a:t> </a:t>
-            </a:r>
-            <a:r>
-              <a:rPr lang="en-US" sz="2800" dirty="0" err="1" smtClean="0"/>
+              <a:rPr lang="en-US" sz="2400" dirty="0" smtClean="0"/>
+              <a:t> </a:t>
+            </a:r>
+            <a:r>
+              <a:rPr lang="en-US" sz="2400" dirty="0" err="1" smtClean="0"/>
               <a:t>dalam</a:t>
             </a:r>
             <a:r>
-              <a:rPr lang="en-US" sz="2800" dirty="0" smtClean="0"/>
-              <a:t> </a:t>
-            </a:r>
-            <a:r>
-              <a:rPr lang="en-US" sz="2800" dirty="0" err="1" smtClean="0"/>
+              <a:rPr lang="en-US" sz="2400" dirty="0" smtClean="0"/>
+              <a:t> </a:t>
+            </a:r>
+            <a:r>
+              <a:rPr lang="en-US" sz="2400" dirty="0" err="1" smtClean="0"/>
               <a:t>mengenkripsi</a:t>
             </a:r>
             <a:r>
-              <a:rPr lang="en-US" sz="2800" dirty="0" smtClean="0"/>
-              <a:t> </a:t>
-            </a:r>
-            <a:r>
-              <a:rPr lang="en-US" sz="2800" dirty="0" err="1" smtClean="0"/>
+              <a:rPr lang="en-US" sz="2400" dirty="0" smtClean="0"/>
+              <a:t> </a:t>
+            </a:r>
+            <a:r>
+              <a:rPr lang="en-US" sz="2400" dirty="0" err="1" smtClean="0"/>
               <a:t>dan</a:t>
             </a:r>
             <a:r>
-              <a:rPr lang="en-US" sz="2800" dirty="0" smtClean="0"/>
-              <a:t> </a:t>
-            </a:r>
-            <a:r>
-              <a:rPr lang="en-US" sz="2800" dirty="0" err="1" smtClean="0"/>
+              <a:rPr lang="en-US" sz="2400" dirty="0" smtClean="0"/>
+              <a:t> </a:t>
+            </a:r>
+            <a:r>
+              <a:rPr lang="en-US" sz="2400" dirty="0" err="1" smtClean="0"/>
               <a:t>panjang</a:t>
             </a:r>
             <a:r>
-              <a:rPr lang="en-US" sz="2800" dirty="0" smtClean="0"/>
+              <a:rPr lang="en-US" sz="2400" dirty="0" smtClean="0"/>
               <a:t> key yang </a:t>
             </a:r>
             <a:r>
-              <a:rPr lang="en-US" sz="2800" dirty="0" err="1" smtClean="0"/>
+              <a:rPr lang="en-US" sz="2400" dirty="0" err="1" smtClean="0"/>
               <a:t>bisa</a:t>
             </a:r>
             <a:r>
-              <a:rPr lang="en-US" sz="2800" dirty="0" smtClean="0"/>
-              <a:t> </a:t>
-            </a:r>
-            <a:r>
-              <a:rPr lang="en-US" sz="2800" dirty="0" err="1" smtClean="0"/>
+              <a:rPr lang="en-US" sz="2400" dirty="0" smtClean="0"/>
+              <a:t> </a:t>
+            </a:r>
+            <a:r>
+              <a:rPr lang="en-US" sz="2400" dirty="0" err="1" smtClean="0"/>
               <a:t>bervariasi</a:t>
             </a:r>
             <a:r>
-              <a:rPr lang="en-US" sz="2800" dirty="0" smtClean="0"/>
-              <a:t> </a:t>
-            </a:r>
-            <a:r>
-              <a:rPr lang="en-US" sz="2800" dirty="0" err="1" smtClean="0"/>
+              <a:rPr lang="en-US" sz="2400" dirty="0" smtClean="0"/>
+              <a:t> </a:t>
+            </a:r>
+            <a:r>
+              <a:rPr lang="en-US" sz="2400" dirty="0" err="1" smtClean="0"/>
               <a:t>sehingga</a:t>
             </a:r>
             <a:r>
-              <a:rPr lang="en-US" sz="2800" dirty="0" smtClean="0"/>
-              <a:t> </a:t>
-            </a:r>
-            <a:r>
-              <a:rPr lang="en-US" sz="2800" dirty="0" err="1" smtClean="0"/>
+              <a:rPr lang="en-US" sz="2400" dirty="0" smtClean="0"/>
+              <a:t> </a:t>
+            </a:r>
+            <a:r>
+              <a:rPr lang="en-US" sz="2400" dirty="0" err="1" smtClean="0"/>
               <a:t>memudahkan</a:t>
             </a:r>
             <a:r>
-              <a:rPr lang="en-US" sz="2800" dirty="0" smtClean="0"/>
-              <a:t> </a:t>
-            </a:r>
-            <a:r>
-              <a:rPr lang="en-US" sz="2800" dirty="0" err="1" smtClean="0"/>
+              <a:rPr lang="en-US" sz="2400" dirty="0" smtClean="0"/>
+              <a:t> </a:t>
+            </a:r>
+            <a:r>
+              <a:rPr lang="en-US" sz="2400" dirty="0" err="1" smtClean="0"/>
               <a:t>dalam</a:t>
             </a:r>
             <a:r>
-              <a:rPr lang="en-US" sz="2800" dirty="0" smtClean="0"/>
-              <a:t> </a:t>
-            </a:r>
-            <a:r>
-              <a:rPr lang="en-US" sz="2800" dirty="0" err="1" smtClean="0"/>
+              <a:rPr lang="en-US" sz="2400" dirty="0" smtClean="0"/>
+              <a:t> </a:t>
+            </a:r>
+            <a:r>
+              <a:rPr lang="en-US" sz="2400" dirty="0" err="1" smtClean="0"/>
               <a:t>menggenerate</a:t>
             </a:r>
             <a:r>
-              <a:rPr lang="en-US" sz="2800" dirty="0" smtClean="0"/>
-              <a:t> key</a:t>
-            </a:r>
-          </a:p>
-          <a:p>
-            <a:pPr marL="0" indent="0" algn="just">
-              <a:buNone/>
-            </a:pPr>
-            <a:r>
-              <a:rPr lang="en-US" sz="2800" dirty="0" smtClean="0"/>
+              <a:rPr lang="en-US" sz="2400" dirty="0" smtClean="0"/>
+              <a:t> </a:t>
+            </a:r>
+            <a:r>
+              <a:rPr lang="en-US" sz="2400" dirty="0" smtClean="0"/>
+              <a:t>key</a:t>
+            </a:r>
+          </a:p>
+          <a:p>
+            <a:endParaRPr lang="en-US" sz="2400" dirty="0" smtClean="0"/>
+          </a:p>
+          <a:p>
+            <a:r>
+              <a:rPr lang="en-US" sz="2400" dirty="0" smtClean="0"/>
               <a:t>Key yang </a:t>
             </a:r>
             <a:r>
-              <a:rPr lang="en-US" sz="2800" dirty="0" err="1" smtClean="0"/>
+              <a:rPr lang="en-US" sz="2400" dirty="0" err="1" smtClean="0"/>
               <a:t>digunakan</a:t>
             </a:r>
             <a:r>
-              <a:rPr lang="en-US" sz="2800" dirty="0" smtClean="0"/>
-              <a:t> </a:t>
-            </a:r>
-            <a:r>
-              <a:rPr lang="en-US" sz="2800" dirty="0" err="1" smtClean="0"/>
+              <a:rPr lang="en-US" sz="2400" dirty="0" smtClean="0"/>
+              <a:t> </a:t>
+            </a:r>
+            <a:r>
+              <a:rPr lang="en-US" sz="2400" dirty="0" err="1" smtClean="0"/>
               <a:t>digenerate</a:t>
             </a:r>
             <a:r>
-              <a:rPr lang="en-US" sz="2800" dirty="0" smtClean="0"/>
-              <a:t> </a:t>
-            </a:r>
-            <a:r>
-              <a:rPr lang="en-US" sz="2800" dirty="0" err="1" smtClean="0"/>
+              <a:rPr lang="en-US" sz="2400" dirty="0" smtClean="0"/>
+              <a:t> </a:t>
+            </a:r>
+            <a:r>
+              <a:rPr lang="en-US" sz="2400" dirty="0" err="1" smtClean="0"/>
               <a:t>dengan</a:t>
             </a:r>
             <a:r>
-              <a:rPr lang="en-US" sz="2800" dirty="0" smtClean="0"/>
-              <a:t> </a:t>
-            </a:r>
-            <a:r>
-              <a:rPr lang="en-US" sz="2800" dirty="0" err="1" smtClean="0"/>
+              <a:rPr lang="en-US" sz="2400" dirty="0" smtClean="0"/>
+              <a:t> </a:t>
+            </a:r>
+            <a:r>
+              <a:rPr lang="en-US" sz="2400" dirty="0" err="1" smtClean="0"/>
               <a:t>panjang</a:t>
             </a:r>
             <a:r>
-              <a:rPr lang="en-US" sz="2800" dirty="0" smtClean="0"/>
-              <a:t> </a:t>
-            </a:r>
-            <a:r>
-              <a:rPr lang="en-US" sz="2800" dirty="0" err="1" smtClean="0"/>
+              <a:rPr lang="en-US" sz="2400" dirty="0" smtClean="0"/>
+              <a:t> </a:t>
+            </a:r>
+            <a:r>
+              <a:rPr lang="en-US" sz="2400" dirty="0" err="1" smtClean="0"/>
               <a:t>tertentu</a:t>
             </a:r>
             <a:r>
-              <a:rPr lang="en-US" sz="2800" dirty="0" smtClean="0"/>
-              <a:t> </a:t>
-            </a:r>
-            <a:r>
-              <a:rPr lang="en-US" sz="2800" dirty="0" err="1" smtClean="0"/>
+              <a:rPr lang="en-US" sz="2400" dirty="0" smtClean="0"/>
+              <a:t> </a:t>
+            </a:r>
+            <a:r>
+              <a:rPr lang="en-US" sz="2400" dirty="0" err="1" smtClean="0"/>
               <a:t>ketika</a:t>
             </a:r>
             <a:r>
-              <a:rPr lang="en-US" sz="2800" dirty="0" smtClean="0"/>
-              <a:t> </a:t>
-            </a:r>
-            <a:r>
-              <a:rPr lang="en-US" sz="2800" dirty="0" err="1" smtClean="0"/>
+              <a:rPr lang="en-US" sz="2400" dirty="0" smtClean="0"/>
+              <a:t> </a:t>
+            </a:r>
+            <a:r>
+              <a:rPr lang="en-US" sz="2400" dirty="0" err="1" smtClean="0"/>
               <a:t>pengiriman</a:t>
             </a:r>
             <a:r>
-              <a:rPr lang="en-US" sz="2800" dirty="0" smtClean="0"/>
-              <a:t> </a:t>
-            </a:r>
-            <a:r>
-              <a:rPr lang="en-US" sz="2800" dirty="0" err="1" smtClean="0"/>
+              <a:rPr lang="en-US" sz="2400" dirty="0" smtClean="0"/>
+              <a:t> </a:t>
+            </a:r>
+            <a:r>
+              <a:rPr lang="en-US" sz="2400" dirty="0" err="1" smtClean="0"/>
               <a:t>pesan</a:t>
             </a:r>
             <a:r>
-              <a:rPr lang="en-US" sz="2800" dirty="0" smtClean="0"/>
-              <a:t> </a:t>
-            </a:r>
-            <a:r>
-              <a:rPr lang="en-US" sz="2800" dirty="0" err="1" smtClean="0"/>
+              <a:rPr lang="en-US" sz="2400" dirty="0" smtClean="0"/>
+              <a:t> </a:t>
+            </a:r>
+            <a:r>
+              <a:rPr lang="en-US" sz="2400" dirty="0" err="1" smtClean="0"/>
               <a:t>pertama</a:t>
             </a:r>
             <a:r>
-              <a:rPr lang="en-US" sz="2800" dirty="0" smtClean="0"/>
-              <a:t> kali</a:t>
-            </a:r>
-            <a:endParaRPr lang="en-US" sz="2800" dirty="0"/>
-          </a:p>
-          <a:p>
-            <a:pPr marL="0" indent="0" algn="just">
-              <a:buNone/>
-            </a:pPr>
-            <a:r>
-              <a:rPr lang="en-US" sz="2800" dirty="0"/>
+              <a:rPr lang="en-US" sz="2400" dirty="0" smtClean="0"/>
+              <a:t> </a:t>
+            </a:r>
+            <a:r>
+              <a:rPr lang="en-US" sz="2400" dirty="0" smtClean="0"/>
+              <a:t>kali</a:t>
+            </a:r>
+          </a:p>
+          <a:p>
+            <a:endParaRPr lang="en-US" sz="2400" dirty="0"/>
+          </a:p>
+          <a:p>
+            <a:r>
+              <a:rPr lang="en-US" sz="2400" dirty="0"/>
               <a:t>RC 4 </a:t>
             </a:r>
             <a:r>
-              <a:rPr lang="en-US" sz="2800" dirty="0" err="1"/>
+              <a:rPr lang="en-US" sz="2400" dirty="0" err="1"/>
               <a:t>dipilih</a:t>
             </a:r>
             <a:r>
-              <a:rPr lang="en-US" sz="2800" dirty="0"/>
-              <a:t> </a:t>
-            </a:r>
-            <a:r>
-              <a:rPr lang="en-US" sz="2800" dirty="0" err="1"/>
+              <a:rPr lang="en-US" sz="2400" dirty="0"/>
+              <a:t> </a:t>
+            </a:r>
+            <a:r>
+              <a:rPr lang="en-US" sz="2400" dirty="0" err="1"/>
               <a:t>juga</a:t>
             </a:r>
             <a:r>
-              <a:rPr lang="en-US" sz="2800" dirty="0"/>
-              <a:t> </a:t>
-            </a:r>
-            <a:r>
-              <a:rPr lang="en-US" sz="2800" dirty="0" err="1"/>
+              <a:rPr lang="en-US" sz="2400" dirty="0"/>
+              <a:t> </a:t>
+            </a:r>
+            <a:r>
+              <a:rPr lang="en-US" sz="2400" dirty="0" err="1"/>
               <a:t>karena</a:t>
             </a:r>
             <a:r>
-              <a:rPr lang="en-US" sz="2800" dirty="0"/>
-              <a:t> </a:t>
-            </a:r>
-            <a:r>
-              <a:rPr lang="en-US" sz="2800" dirty="0" err="1"/>
+              <a:rPr lang="en-US" sz="2400" dirty="0"/>
+              <a:t> </a:t>
+            </a:r>
+            <a:r>
+              <a:rPr lang="en-US" sz="2400" dirty="0" err="1"/>
               <a:t>algoritma</a:t>
             </a:r>
             <a:r>
-              <a:rPr lang="en-US" sz="2800" dirty="0"/>
-              <a:t> </a:t>
-            </a:r>
-            <a:r>
-              <a:rPr lang="en-US" sz="2800" dirty="0" err="1"/>
+              <a:rPr lang="en-US" sz="2400" dirty="0"/>
+              <a:t> </a:t>
+            </a:r>
+            <a:r>
+              <a:rPr lang="en-US" sz="2400" dirty="0" err="1"/>
               <a:t>ini</a:t>
             </a:r>
             <a:r>
-              <a:rPr lang="en-US" sz="2800" dirty="0"/>
-              <a:t> </a:t>
-            </a:r>
-            <a:r>
-              <a:rPr lang="en-US" sz="2800" dirty="0" err="1"/>
+              <a:rPr lang="en-US" sz="2400" dirty="0"/>
+              <a:t> </a:t>
+            </a:r>
+            <a:r>
+              <a:rPr lang="en-US" sz="2400" dirty="0" err="1"/>
               <a:t>cocok</a:t>
             </a:r>
             <a:r>
-              <a:rPr lang="en-US" sz="2800" dirty="0"/>
-              <a:t> </a:t>
-            </a:r>
-            <a:r>
-              <a:rPr lang="en-US" sz="2800" dirty="0" err="1"/>
+              <a:rPr lang="en-US" sz="2400" dirty="0"/>
+              <a:t> </a:t>
+            </a:r>
+            <a:r>
+              <a:rPr lang="en-US" sz="2400" dirty="0" err="1"/>
               <a:t>untuk</a:t>
             </a:r>
             <a:r>
-              <a:rPr lang="en-US" sz="2800" dirty="0"/>
-              <a:t> </a:t>
-            </a:r>
-            <a:r>
-              <a:rPr lang="en-US" sz="2800" dirty="0" err="1"/>
+              <a:rPr lang="en-US" sz="2400" dirty="0"/>
+              <a:t> </a:t>
+            </a:r>
+            <a:r>
+              <a:rPr lang="en-US" sz="2400" dirty="0" err="1"/>
               <a:t>enkripsi</a:t>
             </a:r>
             <a:r>
-              <a:rPr lang="en-US" sz="2800" dirty="0"/>
-              <a:t> </a:t>
-            </a:r>
-            <a:r>
-              <a:rPr lang="en-US" sz="2800" dirty="0" err="1"/>
+              <a:rPr lang="en-US" sz="2400" dirty="0"/>
+              <a:t> </a:t>
+            </a:r>
+            <a:r>
+              <a:rPr lang="en-US" sz="2400" dirty="0" err="1"/>
               <a:t>dengan</a:t>
             </a:r>
             <a:r>
-              <a:rPr lang="en-US" sz="2800" dirty="0"/>
-              <a:t> </a:t>
-            </a:r>
-            <a:r>
-              <a:rPr lang="en-US" sz="2800" dirty="0" err="1"/>
+              <a:rPr lang="en-US" sz="2400" dirty="0"/>
+              <a:t> </a:t>
+            </a:r>
+            <a:r>
+              <a:rPr lang="en-US" sz="2400" dirty="0" err="1"/>
               <a:t>panjang</a:t>
             </a:r>
             <a:r>
-              <a:rPr lang="en-US" sz="2800" dirty="0"/>
+              <a:rPr lang="en-US" sz="2400" dirty="0"/>
               <a:t> data yang </a:t>
             </a:r>
             <a:r>
-              <a:rPr lang="en-US" sz="2800" dirty="0" err="1"/>
+              <a:rPr lang="en-US" sz="2400" dirty="0" err="1"/>
               <a:t>tidak</a:t>
             </a:r>
             <a:r>
-              <a:rPr lang="en-US" sz="2800" dirty="0"/>
-              <a:t> </a:t>
-            </a:r>
-            <a:r>
-              <a:rPr lang="en-US" sz="2800" dirty="0" err="1"/>
+              <a:rPr lang="en-US" sz="2400" dirty="0"/>
+              <a:t> </a:t>
+            </a:r>
+            <a:r>
+              <a:rPr lang="en-US" sz="2400" dirty="0" err="1"/>
               <a:t>diketahui</a:t>
             </a:r>
-            <a:endParaRPr lang="en-US" sz="2800" dirty="0"/>
-          </a:p>
-          <a:p>
-            <a:pPr marL="0" indent="0" algn="just">
-              <a:buNone/>
-            </a:pPr>
-            <a:endParaRPr lang="en-US" sz="2800" dirty="0"/>
+            <a:endParaRPr lang="en-US" sz="2400" dirty="0"/>
+          </a:p>
+          <a:p>
+            <a:endParaRPr lang="en-US" sz="2400" dirty="0"/>
           </a:p>
         </p:txBody>
       </p:sp>
@@ -6685,7 +6701,274 @@
   <p:timing>
     <p:tnLst>
       <p:par>
-        <p:cTn id="1" dur="indefinite" restart="never" nodeType="tmRoot"/>
+        <p:cTn id="1" dur="indefinite" restart="never" nodeType="tmRoot">
+          <p:childTnLst>
+            <p:seq concurrent="1" nextAc="seek">
+              <p:cTn id="2" dur="indefinite" nodeType="mainSeq">
+                <p:childTnLst>
+                  <p:par>
+                    <p:cTn id="3" fill="hold">
+                      <p:stCondLst>
+                        <p:cond delay="indefinite"/>
+                      </p:stCondLst>
+                      <p:childTnLst>
+                        <p:par>
+                          <p:cTn id="4" fill="hold">
+                            <p:stCondLst>
+                              <p:cond delay="0"/>
+                            </p:stCondLst>
+                            <p:childTnLst>
+                              <p:par>
+                                <p:cTn id="5" presetID="10" presetClass="entr" presetSubtype="0" fill="hold" nodeType="clickEffect">
+                                  <p:stCondLst>
+                                    <p:cond delay="0"/>
+                                  </p:stCondLst>
+                                  <p:childTnLst>
+                                    <p:set>
+                                      <p:cBhvr>
+                                        <p:cTn id="6" dur="1" fill="hold">
+                                          <p:stCondLst>
+                                            <p:cond delay="0"/>
+                                          </p:stCondLst>
+                                        </p:cTn>
+                                        <p:tgtEl>
+                                          <p:spTgt spid="3">
+                                            <p:txEl>
+                                              <p:pRg st="0" end="0"/>
+                                            </p:txEl>
+                                          </p:spTgt>
+                                        </p:tgtEl>
+                                        <p:attrNameLst>
+                                          <p:attrName>style.visibility</p:attrName>
+                                        </p:attrNameLst>
+                                      </p:cBhvr>
+                                      <p:to>
+                                        <p:strVal val="visible"/>
+                                      </p:to>
+                                    </p:set>
+                                    <p:animEffect transition="in" filter="fade">
+                                      <p:cBhvr>
+                                        <p:cTn id="7" dur="500"/>
+                                        <p:tgtEl>
+                                          <p:spTgt spid="3">
+                                            <p:txEl>
+                                              <p:pRg st="0" end="0"/>
+                                            </p:txEl>
+                                          </p:spTgt>
+                                        </p:tgtEl>
+                                      </p:cBhvr>
+                                    </p:animEffect>
+                                  </p:childTnLst>
+                                </p:cTn>
+                              </p:par>
+                            </p:childTnLst>
+                          </p:cTn>
+                        </p:par>
+                      </p:childTnLst>
+                    </p:cTn>
+                  </p:par>
+                  <p:par>
+                    <p:cTn id="8" fill="hold">
+                      <p:stCondLst>
+                        <p:cond delay="indefinite"/>
+                      </p:stCondLst>
+                      <p:childTnLst>
+                        <p:par>
+                          <p:cTn id="9" fill="hold">
+                            <p:stCondLst>
+                              <p:cond delay="0"/>
+                            </p:stCondLst>
+                            <p:childTnLst>
+                              <p:par>
+                                <p:cTn id="10" presetID="10" presetClass="entr" presetSubtype="0" fill="hold" nodeType="clickEffect">
+                                  <p:stCondLst>
+                                    <p:cond delay="0"/>
+                                  </p:stCondLst>
+                                  <p:childTnLst>
+                                    <p:set>
+                                      <p:cBhvr>
+                                        <p:cTn id="11" dur="1" fill="hold">
+                                          <p:stCondLst>
+                                            <p:cond delay="0"/>
+                                          </p:stCondLst>
+                                        </p:cTn>
+                                        <p:tgtEl>
+                                          <p:spTgt spid="3">
+                                            <p:txEl>
+                                              <p:pRg st="2" end="2"/>
+                                            </p:txEl>
+                                          </p:spTgt>
+                                        </p:tgtEl>
+                                        <p:attrNameLst>
+                                          <p:attrName>style.visibility</p:attrName>
+                                        </p:attrNameLst>
+                                      </p:cBhvr>
+                                      <p:to>
+                                        <p:strVal val="visible"/>
+                                      </p:to>
+                                    </p:set>
+                                    <p:animEffect transition="in" filter="fade">
+                                      <p:cBhvr>
+                                        <p:cTn id="12" dur="500"/>
+                                        <p:tgtEl>
+                                          <p:spTgt spid="3">
+                                            <p:txEl>
+                                              <p:pRg st="2" end="2"/>
+                                            </p:txEl>
+                                          </p:spTgt>
+                                        </p:tgtEl>
+                                      </p:cBhvr>
+                                    </p:animEffect>
+                                  </p:childTnLst>
+                                </p:cTn>
+                              </p:par>
+                            </p:childTnLst>
+                          </p:cTn>
+                        </p:par>
+                      </p:childTnLst>
+                    </p:cTn>
+                  </p:par>
+                  <p:par>
+                    <p:cTn id="13" fill="hold">
+                      <p:stCondLst>
+                        <p:cond delay="indefinite"/>
+                      </p:stCondLst>
+                      <p:childTnLst>
+                        <p:par>
+                          <p:cTn id="14" fill="hold">
+                            <p:stCondLst>
+                              <p:cond delay="0"/>
+                            </p:stCondLst>
+                            <p:childTnLst>
+                              <p:par>
+                                <p:cTn id="15" presetID="10" presetClass="entr" presetSubtype="0" fill="hold" nodeType="clickEffect">
+                                  <p:stCondLst>
+                                    <p:cond delay="0"/>
+                                  </p:stCondLst>
+                                  <p:childTnLst>
+                                    <p:set>
+                                      <p:cBhvr>
+                                        <p:cTn id="16" dur="1" fill="hold">
+                                          <p:stCondLst>
+                                            <p:cond delay="0"/>
+                                          </p:stCondLst>
+                                        </p:cTn>
+                                        <p:tgtEl>
+                                          <p:spTgt spid="3">
+                                            <p:txEl>
+                                              <p:pRg st="4" end="4"/>
+                                            </p:txEl>
+                                          </p:spTgt>
+                                        </p:tgtEl>
+                                        <p:attrNameLst>
+                                          <p:attrName>style.visibility</p:attrName>
+                                        </p:attrNameLst>
+                                      </p:cBhvr>
+                                      <p:to>
+                                        <p:strVal val="visible"/>
+                                      </p:to>
+                                    </p:set>
+                                    <p:animEffect transition="in" filter="fade">
+                                      <p:cBhvr>
+                                        <p:cTn id="17" dur="500"/>
+                                        <p:tgtEl>
+                                          <p:spTgt spid="3">
+                                            <p:txEl>
+                                              <p:pRg st="4" end="4"/>
+                                            </p:txEl>
+                                          </p:spTgt>
+                                        </p:tgtEl>
+                                      </p:cBhvr>
+                                    </p:animEffect>
+                                  </p:childTnLst>
+                                </p:cTn>
+                              </p:par>
+                            </p:childTnLst>
+                          </p:cTn>
+                        </p:par>
+                      </p:childTnLst>
+                    </p:cTn>
+                  </p:par>
+                  <p:par>
+                    <p:cTn id="18" fill="hold">
+                      <p:stCondLst>
+                        <p:cond delay="indefinite"/>
+                      </p:stCondLst>
+                      <p:childTnLst>
+                        <p:par>
+                          <p:cTn id="19" fill="hold">
+                            <p:stCondLst>
+                              <p:cond delay="0"/>
+                            </p:stCondLst>
+                            <p:childTnLst>
+                              <p:par>
+                                <p:cTn id="20" presetID="10" presetClass="entr" presetSubtype="0" fill="hold" nodeType="clickEffect">
+                                  <p:stCondLst>
+                                    <p:cond delay="0"/>
+                                  </p:stCondLst>
+                                  <p:childTnLst>
+                                    <p:set>
+                                      <p:cBhvr>
+                                        <p:cTn id="21" dur="1" fill="hold">
+                                          <p:stCondLst>
+                                            <p:cond delay="0"/>
+                                          </p:stCondLst>
+                                        </p:cTn>
+                                        <p:tgtEl>
+                                          <p:spTgt spid="3">
+                                            <p:txEl>
+                                              <p:pRg st="6" end="6"/>
+                                            </p:txEl>
+                                          </p:spTgt>
+                                        </p:tgtEl>
+                                        <p:attrNameLst>
+                                          <p:attrName>style.visibility</p:attrName>
+                                        </p:attrNameLst>
+                                      </p:cBhvr>
+                                      <p:to>
+                                        <p:strVal val="visible"/>
+                                      </p:to>
+                                    </p:set>
+                                    <p:animEffect transition="in" filter="fade">
+                                      <p:cBhvr>
+                                        <p:cTn id="22" dur="500"/>
+                                        <p:tgtEl>
+                                          <p:spTgt spid="3">
+                                            <p:txEl>
+                                              <p:pRg st="6" end="6"/>
+                                            </p:txEl>
+                                          </p:spTgt>
+                                        </p:tgtEl>
+                                      </p:cBhvr>
+                                    </p:animEffect>
+                                  </p:childTnLst>
+                                </p:cTn>
+                              </p:par>
+                            </p:childTnLst>
+                          </p:cTn>
+                        </p:par>
+                      </p:childTnLst>
+                    </p:cTn>
+                  </p:par>
+                </p:childTnLst>
+              </p:cTn>
+              <p:prevCondLst>
+                <p:cond evt="onPrev" delay="0">
+                  <p:tgtEl>
+                    <p:sldTgt/>
+                  </p:tgtEl>
+                </p:cond>
+              </p:prevCondLst>
+              <p:nextCondLst>
+                <p:cond evt="onNext" delay="0">
+                  <p:tgtEl>
+                    <p:sldTgt/>
+                  </p:tgtEl>
+                </p:cond>
+              </p:nextCondLst>
+            </p:seq>
+          </p:childTnLst>
+        </p:cTn>
       </p:par>
     </p:tnLst>
   </p:timing>
@@ -6721,8 +7004,8 @@
         </p:nvSpPr>
         <p:spPr>
           <a:xfrm>
-            <a:off x="881063" y="1357313"/>
-            <a:ext cx="10515600" cy="3929062"/>
+            <a:off x="881063" y="1715122"/>
+            <a:ext cx="10515600" cy="4500148"/>
           </a:xfrm>
         </p:spPr>
         <p:txBody>
@@ -6731,9 +7014,6 @@
           </a:bodyPr>
           <a:lstStyle/>
           <a:p>
-            <a:pPr marL="0" indent="0" algn="just">
-              <a:buNone/>
-            </a:pPr>
             <a:r>
               <a:rPr lang="en-US" sz="2800" dirty="0" smtClean="0"/>
               <a:t>Data yang kami </a:t>
@@ -6820,7 +7100,14 @@
             </a:r>
             <a:r>
               <a:rPr lang="en-US" sz="2800" dirty="0" smtClean="0"/>
-              <a:t>. Hal </a:t>
+              <a:t>. </a:t>
+            </a:r>
+            <a:endParaRPr lang="en-US" sz="2800" dirty="0" smtClean="0"/>
+          </a:p>
+          <a:p>
+            <a:r>
+              <a:rPr lang="en-US" sz="2800" dirty="0" smtClean="0"/>
+              <a:t>Hal </a:t>
             </a:r>
             <a:r>
               <a:rPr lang="en-US" sz="2800" dirty="0" err="1" smtClean="0"/>
@@ -6852,7 +7139,73 @@
             </a:r>
             <a:r>
               <a:rPr lang="en-US" sz="2800" dirty="0" smtClean="0"/>
-              <a:t> di client </a:t>
+              <a:t> di </a:t>
+            </a:r>
+            <a:r>
+              <a:rPr lang="en-US" sz="2800" dirty="0" smtClean="0"/>
+              <a:t>client. </a:t>
+            </a:r>
+          </a:p>
+          <a:p>
+            <a:r>
+              <a:rPr lang="en-US" sz="2800" dirty="0" smtClean="0"/>
+              <a:t>Server </a:t>
+            </a:r>
+            <a:r>
+              <a:rPr lang="en-US" sz="2800" dirty="0" err="1" smtClean="0"/>
+              <a:t>hanya</a:t>
+            </a:r>
+            <a:r>
+              <a:rPr lang="en-US" sz="2800" dirty="0" smtClean="0"/>
+              <a:t> </a:t>
+            </a:r>
+            <a:r>
+              <a:rPr lang="en-US" sz="2800" dirty="0" err="1" smtClean="0"/>
+              <a:t>meneruskan</a:t>
+            </a:r>
+            <a:r>
+              <a:rPr lang="en-US" sz="2800" dirty="0" smtClean="0"/>
+              <a:t> </a:t>
+            </a:r>
+            <a:r>
+              <a:rPr lang="en-US" sz="2800" dirty="0" err="1" smtClean="0"/>
+              <a:t>pesan</a:t>
+            </a:r>
+            <a:r>
+              <a:rPr lang="en-US" sz="2800" dirty="0" smtClean="0"/>
+              <a:t> yang </a:t>
+            </a:r>
+            <a:r>
+              <a:rPr lang="en-US" sz="2800" dirty="0" err="1" smtClean="0"/>
+              <a:t>telah</a:t>
+            </a:r>
+            <a:r>
+              <a:rPr lang="en-US" sz="2800" dirty="0" smtClean="0"/>
+              <a:t> </a:t>
+            </a:r>
+            <a:r>
+              <a:rPr lang="en-US" sz="2800" dirty="0" err="1" smtClean="0"/>
+              <a:t>terenkripsi</a:t>
+            </a:r>
+            <a:r>
+              <a:rPr lang="en-US" sz="2800" dirty="0" smtClean="0"/>
+              <a:t> </a:t>
+            </a:r>
+            <a:r>
+              <a:rPr lang="en-US" sz="2800" dirty="0" err="1" smtClean="0"/>
+              <a:t>kepada</a:t>
+            </a:r>
+            <a:r>
+              <a:rPr lang="en-US" sz="2800" dirty="0" smtClean="0"/>
+              <a:t> </a:t>
+            </a:r>
+            <a:r>
+              <a:rPr lang="en-US" sz="2800" dirty="0" err="1" smtClean="0"/>
+              <a:t>penerima</a:t>
+            </a:r>
+            <a:r>
+              <a:rPr lang="en-US" sz="2800" dirty="0" smtClean="0"/>
+              <a:t> </a:t>
             </a:r>
             <a:r>
               <a:rPr lang="en-US" sz="2800" dirty="0" err="1" smtClean="0"/>
@@ -6860,19 +7213,27 @@
             </a:r>
             <a:r>
               <a:rPr lang="en-US" sz="2800" dirty="0" smtClean="0"/>
-              <a:t> server </a:t>
-            </a:r>
-            <a:r>
-              <a:rPr lang="en-US" sz="2800" dirty="0" err="1" smtClean="0"/>
-              <a:t>hanya</a:t>
-            </a:r>
-            <a:r>
-              <a:rPr lang="en-US" sz="2800" dirty="0" smtClean="0"/>
-              <a:t> </a:t>
-            </a:r>
-            <a:r>
-              <a:rPr lang="en-US" sz="2800" dirty="0" err="1" smtClean="0"/>
-              <a:t>meneruskan</a:t>
+              <a:t> </a:t>
+            </a:r>
+            <a:r>
+              <a:rPr lang="en-US" sz="2800" dirty="0" err="1" smtClean="0"/>
+              <a:t>penerima</a:t>
+            </a:r>
+            <a:r>
+              <a:rPr lang="en-US" sz="2800" dirty="0" smtClean="0"/>
+              <a:t> </a:t>
+            </a:r>
+            <a:r>
+              <a:rPr lang="en-US" sz="2800" dirty="0" err="1" smtClean="0"/>
+              <a:t>lah</a:t>
+            </a:r>
+            <a:r>
+              <a:rPr lang="en-US" sz="2800" dirty="0" smtClean="0"/>
+              <a:t> yang </a:t>
+            </a:r>
+            <a:r>
+              <a:rPr lang="en-US" sz="2800" dirty="0" err="1" smtClean="0"/>
+              <a:t>mendekripsikan</a:t>
             </a:r>
             <a:r>
               <a:rPr lang="en-US" sz="2800" dirty="0" smtClean="0"/>
@@ -6884,86 +7245,6 @@
             </a:r>
             <a:r>
               <a:rPr lang="en-US" sz="2800" dirty="0" smtClean="0"/>
-              <a:t> yang </a:t>
-            </a:r>
-            <a:r>
-              <a:rPr lang="en-US" sz="2800" dirty="0" err="1" smtClean="0"/>
-              <a:t>telah</a:t>
-            </a:r>
-            <a:r>
-              <a:rPr lang="en-US" sz="2800" dirty="0" smtClean="0"/>
-              <a:t> </a:t>
-            </a:r>
-            <a:r>
-              <a:rPr lang="en-US" sz="2800" dirty="0" err="1" smtClean="0"/>
-              <a:t>ter</a:t>
-            </a:r>
-            <a:r>
-              <a:rPr lang="en-US" sz="2800" dirty="0" smtClean="0"/>
-              <a:t> </a:t>
-            </a:r>
-            <a:r>
-              <a:rPr lang="en-US" sz="2800" dirty="0" err="1" smtClean="0"/>
-              <a:t>enkripsi</a:t>
-            </a:r>
-            <a:r>
-              <a:rPr lang="en-US" sz="2800" dirty="0" smtClean="0"/>
-              <a:t> </a:t>
-            </a:r>
-            <a:r>
-              <a:rPr lang="en-US" sz="2800" dirty="0" err="1" smtClean="0"/>
-              <a:t>kepada</a:t>
-            </a:r>
-            <a:r>
-              <a:rPr lang="en-US" sz="2800" dirty="0" smtClean="0"/>
-              <a:t> </a:t>
-            </a:r>
-            <a:r>
-              <a:rPr lang="en-US" sz="2800" dirty="0" err="1" smtClean="0"/>
-              <a:t>penerima</a:t>
-            </a:r>
-            <a:r>
-              <a:rPr lang="en-US" sz="2800" dirty="0" smtClean="0"/>
-              <a:t> </a:t>
-            </a:r>
-            <a:r>
-              <a:rPr lang="en-US" sz="2800" dirty="0" err="1" smtClean="0"/>
-              <a:t>dan</a:t>
-            </a:r>
-            <a:r>
-              <a:rPr lang="en-US" sz="2800" dirty="0" smtClean="0"/>
-              <a:t> </a:t>
-            </a:r>
-            <a:r>
-              <a:rPr lang="en-US" sz="2800" dirty="0" err="1" smtClean="0"/>
-              <a:t>penerima</a:t>
-            </a:r>
-            <a:r>
-              <a:rPr lang="en-US" sz="2800" dirty="0" smtClean="0"/>
-              <a:t> </a:t>
-            </a:r>
-            <a:r>
-              <a:rPr lang="en-US" sz="2800" dirty="0" err="1" smtClean="0"/>
-              <a:t>lah</a:t>
-            </a:r>
-            <a:r>
-              <a:rPr lang="en-US" sz="2800" dirty="0" smtClean="0"/>
-              <a:t> yang </a:t>
-            </a:r>
-            <a:r>
-              <a:rPr lang="en-US" sz="2800" dirty="0" err="1" smtClean="0"/>
-              <a:t>mendekripsikan</a:t>
-            </a:r>
-            <a:r>
-              <a:rPr lang="en-US" sz="2800" dirty="0" smtClean="0"/>
-              <a:t> </a:t>
-            </a:r>
-            <a:r>
-              <a:rPr lang="en-US" sz="2800" dirty="0" err="1" smtClean="0"/>
-              <a:t>pesan</a:t>
-            </a:r>
-            <a:r>
-              <a:rPr lang="en-US" sz="2800" dirty="0" smtClean="0"/>
               <a:t> </a:t>
             </a:r>
             <a:r>
@@ -6976,9 +7257,6 @@
             </a:r>
           </a:p>
           <a:p>
-            <a:pPr marL="0" indent="0" algn="just">
-              <a:buNone/>
-            </a:pPr>
             <a:r>
               <a:rPr lang="en-US" sz="2800" dirty="0" err="1" smtClean="0"/>
               <a:t>Sehingga</a:t>
@@ -7083,7 +7361,274 @@
   <p:timing>
     <p:tnLst>
       <p:par>
-        <p:cTn id="1" dur="indefinite" restart="never" nodeType="tmRoot"/>
+        <p:cTn id="1" dur="indefinite" restart="never" nodeType="tmRoot">
+          <p:childTnLst>
+            <p:seq concurrent="1" nextAc="seek">
+              <p:cTn id="2" dur="indefinite" nodeType="mainSeq">
+                <p:childTnLst>
+                  <p:par>
+                    <p:cTn id="3" fill="hold">
+                      <p:stCondLst>
+                        <p:cond delay="indefinite"/>
+                      </p:stCondLst>
+                      <p:childTnLst>
+                        <p:par>
+                          <p:cTn id="4" fill="hold">
+                            <p:stCondLst>
+                              <p:cond delay="0"/>
+                            </p:stCondLst>
+                            <p:childTnLst>
+                              <p:par>
+                                <p:cTn id="5" presetID="10" presetClass="entr" presetSubtype="0" fill="hold" nodeType="clickEffect">
+                                  <p:stCondLst>
+                                    <p:cond delay="0"/>
+                                  </p:stCondLst>
+                                  <p:childTnLst>
+                                    <p:set>
+                                      <p:cBhvr>
+                                        <p:cTn id="6" dur="1" fill="hold">
+                                          <p:stCondLst>
+                                            <p:cond delay="0"/>
+                                          </p:stCondLst>
+                                        </p:cTn>
+                                        <p:tgtEl>
+                                          <p:spTgt spid="3">
+                                            <p:txEl>
+                                              <p:pRg st="0" end="0"/>
+                                            </p:txEl>
+                                          </p:spTgt>
+                                        </p:tgtEl>
+                                        <p:attrNameLst>
+                                          <p:attrName>style.visibility</p:attrName>
+                                        </p:attrNameLst>
+                                      </p:cBhvr>
+                                      <p:to>
+                                        <p:strVal val="visible"/>
+                                      </p:to>
+                                    </p:set>
+                                    <p:animEffect transition="in" filter="fade">
+                                      <p:cBhvr>
+                                        <p:cTn id="7" dur="500"/>
+                                        <p:tgtEl>
+                                          <p:spTgt spid="3">
+                                            <p:txEl>
+                                              <p:pRg st="0" end="0"/>
+                                            </p:txEl>
+                                          </p:spTgt>
+                                        </p:tgtEl>
+                                      </p:cBhvr>
+                                    </p:animEffect>
+                                  </p:childTnLst>
+                                </p:cTn>
+                              </p:par>
+                            </p:childTnLst>
+                          </p:cTn>
+                        </p:par>
+                      </p:childTnLst>
+                    </p:cTn>
+                  </p:par>
+                  <p:par>
+                    <p:cTn id="8" fill="hold">
+                      <p:stCondLst>
+                        <p:cond delay="indefinite"/>
+                      </p:stCondLst>
+                      <p:childTnLst>
+                        <p:par>
+                          <p:cTn id="9" fill="hold">
+                            <p:stCondLst>
+                              <p:cond delay="0"/>
+                            </p:stCondLst>
+                            <p:childTnLst>
+                              <p:par>
+                                <p:cTn id="10" presetID="10" presetClass="entr" presetSubtype="0" fill="hold" nodeType="clickEffect">
+                                  <p:stCondLst>
+                                    <p:cond delay="0"/>
+                                  </p:stCondLst>
+                                  <p:childTnLst>
+                                    <p:set>
+                                      <p:cBhvr>
+                                        <p:cTn id="11" dur="1" fill="hold">
+                                          <p:stCondLst>
+                                            <p:cond delay="0"/>
+                                          </p:stCondLst>
+                                        </p:cTn>
+                                        <p:tgtEl>
+                                          <p:spTgt spid="3">
+                                            <p:txEl>
+                                              <p:pRg st="1" end="1"/>
+                                            </p:txEl>
+                                          </p:spTgt>
+                                        </p:tgtEl>
+                                        <p:attrNameLst>
+                                          <p:attrName>style.visibility</p:attrName>
+                                        </p:attrNameLst>
+                                      </p:cBhvr>
+                                      <p:to>
+                                        <p:strVal val="visible"/>
+                                      </p:to>
+                                    </p:set>
+                                    <p:animEffect transition="in" filter="fade">
+                                      <p:cBhvr>
+                                        <p:cTn id="12" dur="500"/>
+                                        <p:tgtEl>
+                                          <p:spTgt spid="3">
+                                            <p:txEl>
+                                              <p:pRg st="1" end="1"/>
+                                            </p:txEl>
+                                          </p:spTgt>
+                                        </p:tgtEl>
+                                      </p:cBhvr>
+                                    </p:animEffect>
+                                  </p:childTnLst>
+                                </p:cTn>
+                              </p:par>
+                            </p:childTnLst>
+                          </p:cTn>
+                        </p:par>
+                      </p:childTnLst>
+                    </p:cTn>
+                  </p:par>
+                  <p:par>
+                    <p:cTn id="13" fill="hold">
+                      <p:stCondLst>
+                        <p:cond delay="indefinite"/>
+                      </p:stCondLst>
+                      <p:childTnLst>
+                        <p:par>
+                          <p:cTn id="14" fill="hold">
+                            <p:stCondLst>
+                              <p:cond delay="0"/>
+                            </p:stCondLst>
+                            <p:childTnLst>
+                              <p:par>
+                                <p:cTn id="15" presetID="10" presetClass="entr" presetSubtype="0" fill="hold" nodeType="clickEffect">
+                                  <p:stCondLst>
+                                    <p:cond delay="0"/>
+                                  </p:stCondLst>
+                                  <p:childTnLst>
+                                    <p:set>
+                                      <p:cBhvr>
+                                        <p:cTn id="16" dur="1" fill="hold">
+                                          <p:stCondLst>
+                                            <p:cond delay="0"/>
+                                          </p:stCondLst>
+                                        </p:cTn>
+                                        <p:tgtEl>
+                                          <p:spTgt spid="3">
+                                            <p:txEl>
+                                              <p:pRg st="2" end="2"/>
+                                            </p:txEl>
+                                          </p:spTgt>
+                                        </p:tgtEl>
+                                        <p:attrNameLst>
+                                          <p:attrName>style.visibility</p:attrName>
+                                        </p:attrNameLst>
+                                      </p:cBhvr>
+                                      <p:to>
+                                        <p:strVal val="visible"/>
+                                      </p:to>
+                                    </p:set>
+                                    <p:animEffect transition="in" filter="fade">
+                                      <p:cBhvr>
+                                        <p:cTn id="17" dur="500"/>
+                                        <p:tgtEl>
+                                          <p:spTgt spid="3">
+                                            <p:txEl>
+                                              <p:pRg st="2" end="2"/>
+                                            </p:txEl>
+                                          </p:spTgt>
+                                        </p:tgtEl>
+                                      </p:cBhvr>
+                                    </p:animEffect>
+                                  </p:childTnLst>
+                                </p:cTn>
+                              </p:par>
+                            </p:childTnLst>
+                          </p:cTn>
+                        </p:par>
+                      </p:childTnLst>
+                    </p:cTn>
+                  </p:par>
+                  <p:par>
+                    <p:cTn id="18" fill="hold">
+                      <p:stCondLst>
+                        <p:cond delay="indefinite"/>
+                      </p:stCondLst>
+                      <p:childTnLst>
+                        <p:par>
+                          <p:cTn id="19" fill="hold">
+                            <p:stCondLst>
+                              <p:cond delay="0"/>
+                            </p:stCondLst>
+                            <p:childTnLst>
+                              <p:par>
+                                <p:cTn id="20" presetID="10" presetClass="entr" presetSubtype="0" fill="hold" nodeType="clickEffect">
+                                  <p:stCondLst>
+                                    <p:cond delay="0"/>
+                                  </p:stCondLst>
+                                  <p:childTnLst>
+                                    <p:set>
+                                      <p:cBhvr>
+                                        <p:cTn id="21" dur="1" fill="hold">
+                                          <p:stCondLst>
+                                            <p:cond delay="0"/>
+                                          </p:stCondLst>
+                                        </p:cTn>
+                                        <p:tgtEl>
+                                          <p:spTgt spid="3">
+                                            <p:txEl>
+                                              <p:pRg st="3" end="3"/>
+                                            </p:txEl>
+                                          </p:spTgt>
+                                        </p:tgtEl>
+                                        <p:attrNameLst>
+                                          <p:attrName>style.visibility</p:attrName>
+                                        </p:attrNameLst>
+                                      </p:cBhvr>
+                                      <p:to>
+                                        <p:strVal val="visible"/>
+                                      </p:to>
+                                    </p:set>
+                                    <p:animEffect transition="in" filter="fade">
+                                      <p:cBhvr>
+                                        <p:cTn id="22" dur="500"/>
+                                        <p:tgtEl>
+                                          <p:spTgt spid="3">
+                                            <p:txEl>
+                                              <p:pRg st="3" end="3"/>
+                                            </p:txEl>
+                                          </p:spTgt>
+                                        </p:tgtEl>
+                                      </p:cBhvr>
+                                    </p:animEffect>
+                                  </p:childTnLst>
+                                </p:cTn>
+                              </p:par>
+                            </p:childTnLst>
+                          </p:cTn>
+                        </p:par>
+                      </p:childTnLst>
+                    </p:cTn>
+                  </p:par>
+                </p:childTnLst>
+              </p:cTn>
+              <p:prevCondLst>
+                <p:cond evt="onPrev" delay="0">
+                  <p:tgtEl>
+                    <p:sldTgt/>
+                  </p:tgtEl>
+                </p:cond>
+              </p:prevCondLst>
+              <p:nextCondLst>
+                <p:cond evt="onNext" delay="0">
+                  <p:tgtEl>
+                    <p:sldTgt/>
+                  </p:tgtEl>
+                </p:cond>
+              </p:nextCondLst>
+            </p:seq>
+          </p:childTnLst>
+        </p:cTn>
       </p:par>
     </p:tnLst>
   </p:timing>
